--- a/2019/ECP/00-intro.pptx
+++ b/2019/ECP/00-intro.pptx
@@ -202,7 +202,7 @@
           <a:p>
             <a:fld id="{8080A489-9093-C54A-B1C3-374F661A0010}" type="datetimeFigureOut">
               <a:rPr lang="en-US" smtClean="0"/>
-              <a:t>1/13/2019</a:t>
+              <a:t>1/14/2019</a:t>
             </a:fld>
             <a:endParaRPr lang="en-US"/>
           </a:p>
@@ -13698,15 +13698,7 @@
           <a:p>
             <a:r>
               <a:rPr lang="en-US" dirty="0"/>
-              <a:t>CANDLE: </a:t>
-            </a:r>
-            <a:r>
-              <a:rPr lang="en-US" dirty="0" err="1"/>
-              <a:t>CANcer</a:t>
-            </a:r>
-            <a:r>
-              <a:rPr lang="en-US" dirty="0"/>
-              <a:t> Deep Learning Environment</a:t>
+              <a:t>CANDLE: CANcer Deep Learning Environment</a:t>
             </a:r>
           </a:p>
           <a:p>
@@ -13760,6 +13752,13 @@
       </p:transition>
     </mc:Fallback>
   </mc:AlternateContent>
+  <p:timing>
+    <p:tnLst>
+      <p:par>
+        <p:cTn id="1" dur="indefinite" restart="never" nodeType="tmRoot"/>
+      </p:par>
+    </p:tnLst>
+  </p:timing>
 </p:sld>
 </file>
 
@@ -13828,11 +13827,19 @@
             </a:r>
             <a:r>
               <a:rPr lang="en-US" sz="1600" dirty="0" smtClean="0"/>
-              <a:t>	Justin </a:t>
+              <a:t>	</a:t>
+            </a:r>
+            <a:r>
+              <a:rPr lang="en-US" sz="1600" b="1" dirty="0" smtClean="0"/>
+              <a:t>Justin </a:t>
+            </a:r>
+            <a:r>
+              <a:rPr lang="en-US" sz="1600" b="1" dirty="0"/>
+              <a:t>Wozniak </a:t>
             </a:r>
             <a:r>
               <a:rPr lang="en-US" sz="1600" dirty="0"/>
-              <a:t>Wozniak Set-up and Orientation, Overview of day (30 min)</a:t>
+              <a:t>Set-up and Orientation, Overview of day (30 min)</a:t>
             </a:r>
           </a:p>
           <a:p>
@@ -13846,11 +13853,19 @@
             </a:r>
             <a:r>
               <a:rPr lang="en-US" sz="1600" dirty="0" smtClean="0"/>
-              <a:t>	Arvind </a:t>
+              <a:t>	</a:t>
+            </a:r>
+            <a:r>
+              <a:rPr lang="en-US" sz="1600" b="1" dirty="0" smtClean="0"/>
+              <a:t>Arvind </a:t>
+            </a:r>
+            <a:r>
+              <a:rPr lang="en-US" sz="1600" b="1" dirty="0"/>
+              <a:t>Ramanathan </a:t>
             </a:r>
             <a:r>
               <a:rPr lang="en-US" sz="1600" dirty="0"/>
-              <a:t>Ramanathan Motivating examples (30 min) </a:t>
+              <a:t>Motivating examples (30 min) </a:t>
             </a:r>
           </a:p>
           <a:p>
@@ -13864,11 +13879,19 @@
             </a:r>
             <a:r>
               <a:rPr lang="en-US" sz="1600" dirty="0" smtClean="0"/>
-              <a:t>	Jamal </a:t>
+              <a:t>	</a:t>
+            </a:r>
+            <a:r>
+              <a:rPr lang="en-US" sz="1600" b="1" dirty="0" smtClean="0"/>
+              <a:t>Jamal </a:t>
+            </a:r>
+            <a:r>
+              <a:rPr lang="en-US" sz="1600" b="1" dirty="0"/>
+              <a:t>Mohd-Yusof </a:t>
             </a:r>
             <a:r>
               <a:rPr lang="en-US" sz="1600" dirty="0"/>
-              <a:t>Mohd-Yusof CANDLE libs (30 min) </a:t>
+              <a:t>CANDLE libs (30 min) </a:t>
             </a:r>
           </a:p>
           <a:p>
@@ -13882,11 +13905,19 @@
             </a:r>
             <a:r>
               <a:rPr lang="en-US" sz="1600" dirty="0" smtClean="0"/>
-              <a:t>	Harry </a:t>
+              <a:t>	</a:t>
+            </a:r>
+            <a:r>
+              <a:rPr lang="en-US" sz="1600" b="1" dirty="0" smtClean="0"/>
+              <a:t>Harry </a:t>
+            </a:r>
+            <a:r>
+              <a:rPr lang="en-US" sz="1600" b="1" dirty="0"/>
+              <a:t>Yoo </a:t>
             </a:r>
             <a:r>
               <a:rPr lang="en-US" sz="1600" dirty="0"/>
-              <a:t>Yoo Migrating to CANDLE (45 min) </a:t>
+              <a:t>Migrating to CANDLE (45 min) </a:t>
             </a:r>
           </a:p>
           <a:p>
@@ -13900,11 +13931,19 @@
             </a:r>
             <a:r>
               <a:rPr lang="en-US" sz="1600" dirty="0" smtClean="0"/>
-              <a:t>	Lunch </a:t>
+              <a:t>	</a:t>
+            </a:r>
+            <a:r>
+              <a:rPr lang="en-US" sz="1600" b="1" dirty="0" smtClean="0"/>
+              <a:t>Lunch </a:t>
+            </a:r>
+            <a:r>
+              <a:rPr lang="en-US" sz="1600" b="1" dirty="0"/>
+              <a:t>break</a:t>
             </a:r>
             <a:r>
               <a:rPr lang="en-US" sz="1600" dirty="0"/>
-              <a:t>break (1hr 45 min)</a:t>
+              <a:t> (1hr 45 min)</a:t>
             </a:r>
           </a:p>
           <a:p>
@@ -13918,11 +13957,19 @@
             </a:r>
             <a:r>
               <a:rPr lang="en-US" sz="1600" dirty="0" smtClean="0"/>
-              <a:t>	Justin </a:t>
+              <a:t>	</a:t>
+            </a:r>
+            <a:r>
+              <a:rPr lang="en-US" sz="1600" b="1" dirty="0" smtClean="0"/>
+              <a:t>Justin </a:t>
+            </a:r>
+            <a:r>
+              <a:rPr lang="en-US" sz="1600" b="1" dirty="0"/>
+              <a:t>Wozniak </a:t>
             </a:r>
             <a:r>
               <a:rPr lang="en-US" sz="1600" dirty="0"/>
-              <a:t>Wozniak Hyperparameter </a:t>
+              <a:t>Hyperparameter </a:t>
             </a:r>
             <a:r>
               <a:rPr lang="en-US" sz="1600" dirty="0" smtClean="0"/>
@@ -13944,11 +13991,19 @@
             </a:r>
             <a:r>
               <a:rPr lang="en-US" sz="1600" dirty="0" smtClean="0"/>
-              <a:t>	Harry </a:t>
+              <a:t>	</a:t>
+            </a:r>
+            <a:r>
+              <a:rPr lang="en-US" sz="1600" b="1" dirty="0" smtClean="0"/>
+              <a:t>Harry </a:t>
+            </a:r>
+            <a:r>
+              <a:rPr lang="en-US" sz="1600" b="1" dirty="0"/>
+              <a:t>Yoo </a:t>
             </a:r>
             <a:r>
               <a:rPr lang="en-US" sz="1600" dirty="0"/>
-              <a:t>Yoo Model Ensembles for UQ: Overview and examples (60 min)</a:t>
+              <a:t>Model Ensembles for UQ: Overview and examples (60 min)</a:t>
             </a:r>
           </a:p>
           <a:p>
@@ -13962,11 +14017,19 @@
             </a:r>
             <a:r>
               <a:rPr lang="en-US" sz="1600" dirty="0" smtClean="0"/>
-              <a:t>	Justin </a:t>
+              <a:t>	</a:t>
+            </a:r>
+            <a:r>
+              <a:rPr lang="en-US" sz="1600" b="1" dirty="0" smtClean="0"/>
+              <a:t>Justin </a:t>
+            </a:r>
+            <a:r>
+              <a:rPr lang="en-US" sz="1600" b="1" dirty="0"/>
+              <a:t>Wozniak </a:t>
             </a:r>
             <a:r>
               <a:rPr lang="en-US" sz="1600" dirty="0"/>
-              <a:t>Wozniak Data Parallelism: Overview and examples (60 min)</a:t>
+              <a:t>Data Parallelism: Overview and examples (60 min)</a:t>
             </a:r>
           </a:p>
           <a:p>
@@ -13980,11 +14043,19 @@
             </a:r>
             <a:r>
               <a:rPr lang="en-US" sz="1600" dirty="0" smtClean="0"/>
-              <a:t>	Study </a:t>
+              <a:t>	</a:t>
+            </a:r>
+            <a:r>
+              <a:rPr lang="en-US" sz="1600" b="1" dirty="0" smtClean="0"/>
+              <a:t>Study </a:t>
+            </a:r>
+            <a:r>
+              <a:rPr lang="en-US" sz="1600" b="1" dirty="0"/>
+              <a:t>hall</a:t>
             </a:r>
             <a:r>
               <a:rPr lang="en-US" sz="1600" dirty="0"/>
-              <a:t>hall, viz, requirements, feedbacks (60 min)</a:t>
+              <a:t>, viz, requirements, feedbacks (60 min)</a:t>
             </a:r>
           </a:p>
           <a:p>
@@ -13998,10 +14069,14 @@
             </a:r>
             <a:r>
               <a:rPr lang="en-US" sz="1600" dirty="0" smtClean="0"/>
-              <a:t>	Scheduled </a:t>
-            </a:r>
-            <a:r>
-              <a:rPr lang="en-US" sz="1600" dirty="0"/>
+              <a:t>	</a:t>
+            </a:r>
+            <a:r>
+              <a:rPr lang="en-US" sz="1600" b="1" dirty="0" smtClean="0"/>
+              <a:t>Scheduled </a:t>
+            </a:r>
+            <a:r>
+              <a:rPr lang="en-US" sz="1600" b="1" dirty="0"/>
               <a:t>end</a:t>
             </a:r>
           </a:p>
@@ -14072,6 +14147,13 @@
       </p:transition>
     </mc:Fallback>
   </mc:AlternateContent>
+  <p:timing>
+    <p:tnLst>
+      <p:par>
+        <p:cTn id="1" dur="indefinite" restart="never" nodeType="tmRoot"/>
+      </p:par>
+    </p:tnLst>
+  </p:timing>
 </p:sld>
 </file>
 
@@ -14138,7 +14220,6 @@
               <a:rPr lang="en-US" dirty="0"/>
               <a:t>be found here: </a:t>
             </a:r>
-            <a:endParaRPr lang="en-US" dirty="0"/>
           </a:p>
           <a:p>
             <a:pPr lvl="1"/>
@@ -14217,11 +14298,7 @@
             <a:pPr lvl="1"/>
             <a:r>
               <a:rPr lang="en-US" dirty="0" smtClean="0"/>
-              <a:t>See </a:t>
-            </a:r>
-            <a:r>
-              <a:rPr lang="en-US" dirty="0" smtClean="0"/>
-              <a:t>the top-level </a:t>
+              <a:t>See the top-level </a:t>
             </a:r>
             <a:r>
               <a:rPr lang="en-US" dirty="0" smtClean="0">

--- a/2019/ECP/00-intro.pptx
+++ b/2019/ECP/00-intro.pptx
@@ -13666,8 +13666,17 @@
           <a:p>
             <a:r>
               <a:rPr lang="en-US" sz="1600" dirty="0" smtClean="0"/>
-              <a:t>Focus on scalable workflows: using the Swift/T workflow framework</a:t>
-            </a:r>
+              <a:t>Focus on scalable workflows: using the Swift/T </a:t>
+            </a:r>
+            <a:r>
+              <a:rPr lang="en-US" sz="1600" smtClean="0"/>
+              <a:t>workflow </a:t>
+            </a:r>
+            <a:r>
+              <a:rPr lang="en-US" sz="1600" smtClean="0"/>
+              <a:t>system</a:t>
+            </a:r>
+            <a:endParaRPr lang="en-US" sz="1600" dirty="0" smtClean="0"/>
           </a:p>
           <a:p>
             <a:endParaRPr lang="en-US" sz="1600" dirty="0"/>
